--- a/ressources/colorfullcrm.pptx
+++ b/ressources/colorfullcrm.pptx
@@ -1060,13 +1060,36 @@
           <a:p>
             <a:r>
               <a:rPr lang="fr-FR" dirty="0"/>
+              <a:t>Je passerais ensuite à la démo </a:t>
+            </a:r>
+          </a:p>
+          <a:p>
+            <a:pPr marL="0" marR="0" lvl="0" indent="0" algn="l" defTabSz="914400" rtl="0" eaLnBrk="1" fontAlgn="auto" latinLnBrk="0" hangingPunct="1">
+              <a:lnSpc>
+                <a:spcPct val="100000"/>
+              </a:lnSpc>
+              <a:spcBef>
+                <a:spcPts val="0"/>
+              </a:spcBef>
+              <a:spcAft>
+                <a:spcPts val="0"/>
+              </a:spcAft>
+              <a:buClrTx/>
+              <a:buSzTx/>
+              <a:buFontTx/>
+              <a:buNone/>
+              <a:tabLst/>
+              <a:defRPr/>
+            </a:pPr>
+            <a:r>
+              <a:rPr lang="fr-FR" dirty="0"/>
               <a:t>Je parlerais ensuite des problèmes que j’ai rencontré durant le projet</a:t>
             </a:r>
           </a:p>
           <a:p>
             <a:r>
               <a:rPr lang="fr-FR" dirty="0"/>
-              <a:t>Je passerais ensuite à la démo , et finirait avec une conclusion</a:t>
+              <a:t>et finirait avec une conclusion</a:t>
             </a:r>
           </a:p>
         </p:txBody>
@@ -1330,6 +1353,12 @@
           <a:p>
             <a:r>
               <a:rPr lang="fr-FR" dirty="0"/>
+              <a:t>Pour les méthodologies et outils </a:t>
+            </a:r>
+          </a:p>
+          <a:p>
+            <a:r>
+              <a:rPr lang="fr-FR" dirty="0"/>
               <a:t>J’ai utilisé Looping et Star UML pour toute la gestion du Merise et UML</a:t>
             </a:r>
           </a:p>
@@ -1548,6 +1577,12 @@
         <p:txBody>
           <a:bodyPr/>
           <a:lstStyle/>
+          <a:p>
+            <a:r>
+              <a:rPr lang="fr-FR" dirty="0"/>
+              <a:t>Je vais ensuite vous parler des fonctionnalités que j’ai ajouté.</a:t>
+            </a:r>
+          </a:p>
           <a:p>
             <a:r>
               <a:rPr lang="fr-FR" dirty="0"/>

--- a/ressources/colorfullcrm.pptx
+++ b/ressources/colorfullcrm.pptx
@@ -943,7 +943,23 @@
           <a:p>
             <a:r>
               <a:rPr lang="fr-FR" dirty="0"/>
-              <a:t>En conclusion, j’ai bien apprécié ce projet et j’ai pu essayer de me challenger avec de nouvelles fonctionnalités. Mais j’ai en même temps été très frustré de ne pas pouvoir tout faire, moi qui aime bien quand tout est bien carré.</a:t>
+              <a:t>En conclusion, j’ai bien apprécié ce projet et j’ai pu essayer de me challenger avec de nouvelles fonctionnalités. </a:t>
+            </a:r>
+            <a:r>
+              <a:rPr lang="fr-FR"/>
+              <a:t>Mais j’ai été </a:t>
+            </a:r>
+            <a:r>
+              <a:rPr lang="fr-FR" dirty="0"/>
+              <a:t>même </a:t>
+            </a:r>
+            <a:r>
+              <a:rPr lang="fr-FR"/>
+              <a:t>temps très </a:t>
+            </a:r>
+            <a:r>
+              <a:rPr lang="fr-FR" dirty="0"/>
+              <a:t>frustré de ne pas pouvoir tout faire, moi qui aime bien quand tout est bien carré.</a:t>
             </a:r>
           </a:p>
           <a:p>
